--- a/agile moves/Tomatoes (TOM)/ger/apprentice/ger_TOM_01_Aufdrehen_fertig_los_AM_A.pptx
+++ b/agile moves/Tomatoes (TOM)/ger/apprentice/ger_TOM_01_Aufdrehen_fertig_los_AM_A.pptx
@@ -193,7 +193,7 @@
           <a:p>
             <a:fld id="{B0CB8B2F-27AE-FC42-9F9A-56AAD34EAFDA}" type="datetimeFigureOut">
               <a:rPr lang="de-DE" smtClean="0"/>
-              <a:t>29.05.15</a:t>
+              <a:t>15.07.15</a:t>
             </a:fld>
             <a:endParaRPr lang="de-DE"/>
           </a:p>
@@ -1162,7 +1162,7 @@
           <a:p>
             <a:fld id="{FF5B2BAF-DF38-0A48-A798-0C06E514FD52}" type="datetimeFigureOut">
               <a:rPr lang="de-DE" smtClean="0"/>
-              <a:t>29.05.15</a:t>
+              <a:t>15.07.15</a:t>
             </a:fld>
             <a:endParaRPr lang="de-DE" dirty="0"/>
           </a:p>
@@ -1432,7 +1432,7 @@
           <a:p>
             <a:fld id="{FF5B2BAF-DF38-0A48-A798-0C06E514FD52}" type="datetimeFigureOut">
               <a:rPr lang="de-DE" smtClean="0"/>
-              <a:t>29.05.15</a:t>
+              <a:t>15.07.15</a:t>
             </a:fld>
             <a:endParaRPr lang="de-DE" dirty="0"/>
           </a:p>
@@ -2391,6 +2391,86 @@
           </a:p>
         </p:txBody>
       </p:sp>
+      <p:sp>
+        <p:nvSpPr>
+          <p:cNvPr id="7" name="Titelplatzhalter 1"/>
+          <p:cNvSpPr txBox="1">
+            <a:spLocks/>
+          </p:cNvSpPr>
+          <p:nvPr/>
+        </p:nvSpPr>
+        <p:spPr>
+          <a:xfrm>
+            <a:off x="1177883" y="1238019"/>
+            <a:ext cx="3520053" cy="246221"/>
+          </a:xfrm>
+          <a:prstGeom prst="rect">
+            <a:avLst/>
+          </a:prstGeom>
+          <a:noFill/>
+        </p:spPr>
+        <p:txBody>
+          <a:bodyPr wrap="square" rtlCol="0">
+            <a:spAutoFit/>
+          </a:bodyPr>
+          <a:lstStyle>
+            <a:lvl1pPr algn="ctr" defTabSz="403388" rtl="0" eaLnBrk="1" latinLnBrk="0" hangingPunct="1">
+              <a:spcBef>
+                <a:spcPct val="0"/>
+              </a:spcBef>
+              <a:buNone/>
+              <a:defRPr lang="de-DE" sz="2400" b="0" kern="1200" baseline="0">
+                <a:solidFill>
+                  <a:srgbClr val="7E006B"/>
+                </a:solidFill>
+                <a:latin typeface="Avenir Heavy"/>
+                <a:ea typeface="+mn-ea"/>
+                <a:cs typeface="Avenir Heavy"/>
+              </a:defRPr>
+            </a:lvl1pPr>
+          </a:lstStyle>
+          <a:p>
+            <a:pPr algn="l"/>
+            <a:r>
+              <a:rPr lang="de-DE" sz="1000" dirty="0" smtClean="0">
+                <a:solidFill>
+                  <a:srgbClr val="5D5E5F"/>
+                </a:solidFill>
+                <a:latin typeface="Avenir Book"/>
+                <a:cs typeface="Avenir Book"/>
+              </a:rPr>
+              <a:t>REGINA</a:t>
+            </a:r>
+            <a:r>
+              <a:rPr lang="de-DE" sz="1000" baseline="0" dirty="0" smtClean="0">
+                <a:solidFill>
+                  <a:srgbClr val="5D5E5F"/>
+                </a:solidFill>
+                <a:latin typeface="Avenir Book"/>
+                <a:cs typeface="Avenir Book"/>
+              </a:rPr>
+              <a:t> BRANDHUBER</a:t>
+            </a:r>
+            <a:r>
+              <a:rPr lang="de-DE" sz="1000" dirty="0" smtClean="0">
+                <a:solidFill>
+                  <a:srgbClr val="5D5E5F"/>
+                </a:solidFill>
+                <a:latin typeface="Avenir Book"/>
+                <a:cs typeface="Avenir Book"/>
+              </a:rPr>
+              <a:t> </a:t>
+            </a:r>
+            <a:endParaRPr lang="de-DE" sz="1000" dirty="0">
+              <a:solidFill>
+                <a:srgbClr val="5D5E5F"/>
+              </a:solidFill>
+              <a:latin typeface="Avenir Book"/>
+              <a:cs typeface="Avenir Book"/>
+            </a:endParaRPr>
+          </a:p>
+        </p:txBody>
+      </p:sp>
     </p:spTree>
     <p:extLst>
       <p:ext uri="{BB962C8B-B14F-4D97-AF65-F5344CB8AC3E}">
@@ -2560,7 +2640,22 @@
             </a:pPr>
             <a:r>
               <a:rPr lang="de-DE" sz="1200" dirty="0"/>
-              <a:t>Dokumentiere zu jeder Tomate vorher Deine Ziele und nachher Deine Erfahrungen und Ergebnisse.</a:t>
+              <a:t>Dokumentiere zu jeder Tomate vorher Deine </a:t>
+            </a:r>
+            <a:r>
+              <a:rPr lang="de-DE" sz="1200" dirty="0" smtClean="0"/>
+              <a:t/>
+            </a:r>
+            <a:br>
+              <a:rPr lang="de-DE" sz="1200" dirty="0" smtClean="0"/>
+            </a:br>
+            <a:r>
+              <a:rPr lang="de-DE" sz="1200" dirty="0" smtClean="0"/>
+              <a:t>Ziele </a:t>
+            </a:r>
+            <a:r>
+              <a:rPr lang="de-DE" sz="1200" dirty="0"/>
+              <a:t>und nachher Deine Erfahrungen und Ergebnisse.</a:t>
             </a:r>
           </a:p>
           <a:p>
@@ -2580,6 +2675,36 @@
           </a:p>
         </p:txBody>
       </p:sp>
+      <p:pic>
+        <p:nvPicPr>
+          <p:cNvPr id="3" name="Bild 2" descr="am_Icon_apprentice.pdf"/>
+          <p:cNvPicPr>
+            <a:picLocks noChangeAspect="1"/>
+          </p:cNvPicPr>
+          <p:nvPr/>
+        </p:nvPicPr>
+        <p:blipFill>
+          <a:blip r:embed="rId2">
+            <a:extLst>
+              <a:ext uri="{28A0092B-C50C-407E-A947-70E740481C1C}">
+                <a14:useLocalDpi xmlns:a14="http://schemas.microsoft.com/office/drawing/2010/main" val="0"/>
+              </a:ext>
+            </a:extLst>
+          </a:blip>
+          <a:stretch>
+            <a:fillRect/>
+          </a:stretch>
+        </p:blipFill>
+        <p:spPr>
+          <a:xfrm>
+            <a:off x="5509734" y="3694225"/>
+            <a:ext cx="939800" cy="914400"/>
+          </a:xfrm>
+          <a:prstGeom prst="rect">
+            <a:avLst/>
+          </a:prstGeom>
+        </p:spPr>
+      </p:pic>
     </p:spTree>
     <p:extLst>
       <p:ext uri="{BB962C8B-B14F-4D97-AF65-F5344CB8AC3E}">

--- a/agile moves/Tomatoes (TOM)/ger/apprentice/ger_TOM_01_Aufdrehen_fertig_los_AM_A.pptx
+++ b/agile moves/Tomatoes (TOM)/ger/apprentice/ger_TOM_01_Aufdrehen_fertig_los_AM_A.pptx
@@ -2697,7 +2697,7 @@
         </p:blipFill>
         <p:spPr>
           <a:xfrm>
-            <a:off x="5509734" y="3694225"/>
+            <a:off x="5871372" y="3775185"/>
             <a:ext cx="939800" cy="914400"/>
           </a:xfrm>
           <a:prstGeom prst="rect">

--- a/agile moves/Tomatoes (TOM)/ger/apprentice/ger_TOM_01_Aufdrehen_fertig_los_AM_A.pptx
+++ b/agile moves/Tomatoes (TOM)/ger/apprentice/ger_TOM_01_Aufdrehen_fertig_los_AM_A.pptx
@@ -193,7 +193,7 @@
           <a:p>
             <a:fld id="{B0CB8B2F-27AE-FC42-9F9A-56AAD34EAFDA}" type="datetimeFigureOut">
               <a:rPr lang="de-DE" smtClean="0"/>
-              <a:t>15.07.15</a:t>
+              <a:t>14.08.15</a:t>
             </a:fld>
             <a:endParaRPr lang="de-DE"/>
           </a:p>
@@ -1162,7 +1162,7 @@
           <a:p>
             <a:fld id="{FF5B2BAF-DF38-0A48-A798-0C06E514FD52}" type="datetimeFigureOut">
               <a:rPr lang="de-DE" smtClean="0"/>
-              <a:t>15.07.15</a:t>
+              <a:t>14.08.15</a:t>
             </a:fld>
             <a:endParaRPr lang="de-DE" dirty="0"/>
           </a:p>
@@ -1432,7 +1432,7 @@
           <a:p>
             <a:fld id="{FF5B2BAF-DF38-0A48-A798-0C06E514FD52}" type="datetimeFigureOut">
               <a:rPr lang="de-DE" smtClean="0"/>
-              <a:t>15.07.15</a:t>
+              <a:t>14.08.15</a:t>
             </a:fld>
             <a:endParaRPr lang="de-DE" dirty="0"/>
           </a:p>
@@ -2147,13 +2147,20 @@
             </a:pPr>
             <a:r>
               <a:rPr lang="de-DE" sz="1200" dirty="0"/>
-              <a:t>Du arbeitest in exakten Zeitfenstern: 25 Minuten mit 5 Minuten Pause</a:t>
+              <a:t>Du arbeitest in exakten Zeitfenstern: z.B. 25 Minuten mit 5 Minuten Pause. </a:t>
+            </a:r>
+            <a:r>
+              <a:rPr lang="de-DE" sz="1200" dirty="0" err="1"/>
+              <a:t>Cirillio</a:t>
+            </a:r>
+            <a:r>
+              <a:rPr lang="de-DE" sz="1200" dirty="0"/>
+              <a:t> nennt diese Zeitspanne "Tomate", nach den gängigen Eieruhren in Tomatenform</a:t>
             </a:r>
             <a:r>
               <a:rPr lang="de-DE" sz="1200" dirty="0" smtClean="0"/>
               <a:t>.</a:t>
             </a:r>
-            <a:endParaRPr lang="de-DE" sz="1200" dirty="0"/>
           </a:p>
           <a:p>
             <a:pPr lvl="0">
@@ -2162,8 +2169,12 @@
               </a:spcBef>
             </a:pPr>
             <a:r>
+              <a:rPr lang="de-DE" sz="1200" dirty="0" smtClean="0"/>
+              <a:t>Die </a:t>
+            </a:r>
+            <a:r>
               <a:rPr lang="de-DE" sz="1200" dirty="0"/>
-              <a:t>Die Zeit wird mit einem </a:t>
+              <a:t>Zeit wird mit einem </a:t>
             </a:r>
             <a:r>
               <a:rPr lang="de-DE" sz="1200" dirty="0" err="1"/>
@@ -2177,7 +2188,6 @@
               <a:rPr lang="de-DE" sz="1200" dirty="0" smtClean="0"/>
               <a:t>.</a:t>
             </a:r>
-            <a:endParaRPr lang="de-DE" sz="1200" dirty="0"/>
           </a:p>
           <a:p>
             <a:pPr lvl="0">
@@ -2186,8 +2196,16 @@
               </a:spcBef>
             </a:pPr>
             <a:r>
+              <a:rPr lang="de-DE" sz="1200" dirty="0" smtClean="0"/>
+              <a:t>Zeit</a:t>
+            </a:r>
+            <a:r>
               <a:rPr lang="de-DE" sz="1200" dirty="0"/>
-              <a:t>Jede Tomate ist auf ein Thema fokussiert. </a:t>
+              <a:t>, die Du in Tomaten einteilst, nimmst Du möglicherweise anders wahr. Fokussiere jede Tomate auf ein bestimmtes Thema</a:t>
+            </a:r>
+            <a:r>
+              <a:rPr lang="de-DE" sz="1200" dirty="0" smtClean="0"/>
+              <a:t>.</a:t>
             </a:r>
           </a:p>
           <a:p>
@@ -2197,14 +2215,17 @@
               </a:spcBef>
             </a:pPr>
             <a:r>
+              <a:rPr lang="de-DE" sz="1200" dirty="0" smtClean="0"/>
+              <a:t>Das </a:t>
+            </a:r>
+            <a:r>
               <a:rPr lang="de-DE" sz="1200" dirty="0"/>
-              <a:t>Das Ziel der Tomate bestimmst Du vorher und nach Ablauf reflektierst Du das Ergebnis und Deine Zufriedenheit</a:t>
+              <a:t>Ziel der Tomate bestimmst Du vorher und nach Ablauf reflektierst Du das Ergebnis und Deine Zufriedenheit</a:t>
             </a:r>
             <a:r>
               <a:rPr lang="de-DE" sz="1200" dirty="0" smtClean="0"/>
               <a:t>.</a:t>
             </a:r>
-            <a:endParaRPr lang="de-DE" sz="1200" dirty="0"/>
           </a:p>
           <a:p>
             <a:pPr lvl="0">
@@ -2213,25 +2234,13 @@
               </a:spcBef>
             </a:pPr>
             <a:r>
+              <a:rPr lang="de-DE" sz="1200" dirty="0" smtClean="0"/>
+              <a:t>Die </a:t>
+            </a:r>
+            <a:r>
               <a:rPr lang="de-DE" sz="1200" dirty="0"/>
-              <a:t>Zeit, die Du in Tomaten einteilst, nimmst Du anders wahr. Tomaten helfen Dir zu messen, wie lange Du für bestimmte Aufgaben brauchst. </a:t>
-            </a:r>
-          </a:p>
-          <a:p>
-            <a:pPr lvl="0">
-              <a:spcBef>
-                <a:spcPts val="1000"/>
-              </a:spcBef>
-            </a:pPr>
-            <a:r>
-              <a:rPr lang="de-DE" sz="1200" dirty="0"/>
-              <a:t>Die Pausen zwischen den Tomaten helfen Dir die Konzentration und Motivation über eine längere Zeitspanne aufrecht zu erhalten.</a:t>
-            </a:r>
-          </a:p>
-          <a:p>
-            <a:pPr marL="0" indent="0">
-              <a:buNone/>
-            </a:pPr>
+              <a:t>Pausen zwischen den Tomaten helfen Dir die Konzentration und Motivation über eine längere Zeitspanne aufrecht zu erhalten.</a:t>
+            </a:r>
             <a:endParaRPr lang="de-DE" sz="1200" dirty="0"/>
           </a:p>
         </p:txBody>
@@ -2523,7 +2532,7 @@
                 <a:spcPct val="100000"/>
               </a:lnSpc>
               <a:spcBef>
-                <a:spcPts val="1000"/>
+                <a:spcPts val="2000"/>
               </a:spcBef>
             </a:pPr>
             <a:r>
@@ -2550,9 +2559,6 @@
               <a:rPr lang="de-DE" sz="1200" dirty="0" smtClean="0"/>
               <a:t>.</a:t>
             </a:r>
-            <a:br>
-              <a:rPr lang="de-DE" sz="1200" dirty="0" smtClean="0"/>
-            </a:br>
             <a:endParaRPr lang="de-DE" sz="1200" dirty="0"/>
           </a:p>
           <a:p>
@@ -2561,12 +2567,20 @@
                 <a:spcPct val="100000"/>
               </a:lnSpc>
               <a:spcBef>
-                <a:spcPts val="1000"/>
+                <a:spcPts val="2000"/>
               </a:spcBef>
             </a:pPr>
             <a:r>
               <a:rPr lang="de-DE" sz="1200" dirty="0"/>
-              <a:t>Mache zuerst innerhalb von 2 Wochen mindestens 12 </a:t>
+              <a:t>Mache zuerst innerhalb von </a:t>
+            </a:r>
+            <a:r>
+              <a:rPr lang="de-DE" sz="1200" dirty="0" smtClean="0"/>
+              <a:t>zwei </a:t>
+            </a:r>
+            <a:r>
+              <a:rPr lang="de-DE" sz="1200" dirty="0"/>
+              <a:t>Wochen mindestens 12 </a:t>
             </a:r>
             <a:r>
               <a:rPr lang="de-DE" sz="1200" dirty="0" smtClean="0"/>
@@ -2576,14 +2590,6 @@
               <a:rPr lang="de-DE" sz="1200" dirty="0"/>
               <a:t>. </a:t>
             </a:r>
-            <a:r>
-              <a:rPr lang="de-DE" sz="1200" dirty="0" smtClean="0"/>
-              <a:t/>
-            </a:r>
-            <a:br>
-              <a:rPr lang="de-DE" sz="1200" dirty="0" smtClean="0"/>
-            </a:br>
-            <a:endParaRPr lang="de-DE" sz="1200" dirty="0"/>
           </a:p>
           <a:p>
             <a:pPr>
@@ -2591,20 +2597,25 @@
                 <a:spcPct val="100000"/>
               </a:lnSpc>
               <a:spcBef>
-                <a:spcPts val="1000"/>
+                <a:spcPts val="2000"/>
               </a:spcBef>
             </a:pPr>
             <a:r>
               <a:rPr lang="de-DE" sz="1200" dirty="0"/>
-              <a:t>Verteile Deine Tomaten auf mindestens 8 verschiedene Tage</a:t>
+              <a:t>Verteile Deine Tomaten auf mindestens </a:t>
+            </a:r>
+            <a:r>
+              <a:rPr lang="de-DE" sz="1200" dirty="0" smtClean="0"/>
+              <a:t>acht </a:t>
+            </a:r>
+            <a:r>
+              <a:rPr lang="de-DE" sz="1200" dirty="0"/>
+              <a:t>verschiedene Tage</a:t>
             </a:r>
             <a:r>
               <a:rPr lang="de-DE" sz="1200" dirty="0" smtClean="0"/>
               <a:t>.</a:t>
             </a:r>
-            <a:br>
-              <a:rPr lang="de-DE" sz="1200" dirty="0" smtClean="0"/>
-            </a:br>
             <a:endParaRPr lang="de-DE" sz="1200" dirty="0" smtClean="0"/>
           </a:p>
           <a:p>
@@ -2613,21 +2624,17 @@
                 <a:spcPct val="100000"/>
               </a:lnSpc>
               <a:spcBef>
-                <a:spcPts val="1000"/>
+                <a:spcPts val="2000"/>
               </a:spcBef>
             </a:pPr>
             <a:r>
               <a:rPr lang="de-DE" sz="1200" dirty="0"/>
-              <a:t>Experimentiere mit der Tomatentechnik in verschiedenen Bereichen Deines Lebens (Tagesgeschäft, Job, Lernen, Hausarbeit, Hobby…)</a:t>
+              <a:t>Du kannst die Tomatentechnik auch in verschiedenen Bereichen Deines Lebens (Tagesgeschäft, Job, Lernen, Hausarbeit, Hobby…) ausprobieren, wenn du magst</a:t>
             </a:r>
             <a:r>
               <a:rPr lang="de-DE" sz="1200" dirty="0" smtClean="0"/>
               <a:t>.</a:t>
             </a:r>
-            <a:br>
-              <a:rPr lang="de-DE" sz="1200" dirty="0" smtClean="0"/>
-            </a:br>
-            <a:endParaRPr lang="de-DE" sz="1200" dirty="0"/>
           </a:p>
           <a:p>
             <a:pPr>
@@ -2635,12 +2642,16 @@
                 <a:spcPct val="100000"/>
               </a:lnSpc>
               <a:spcBef>
-                <a:spcPts val="1000"/>
+                <a:spcPts val="2000"/>
               </a:spcBef>
             </a:pPr>
             <a:r>
+              <a:rPr lang="de-DE" sz="1200" dirty="0" smtClean="0"/>
+              <a:t>Dokumentiere </a:t>
+            </a:r>
+            <a:r>
               <a:rPr lang="de-DE" sz="1200" dirty="0"/>
-              <a:t>Dokumentiere zu jeder Tomate vorher Deine </a:t>
+              <a:t>zu jeder Tomate vorher Deine Ziele und </a:t>
             </a:r>
             <a:r>
               <a:rPr lang="de-DE" sz="1200" dirty="0" smtClean="0"/>
@@ -2651,26 +2662,20 @@
             </a:br>
             <a:r>
               <a:rPr lang="de-DE" sz="1200" dirty="0" smtClean="0"/>
-              <a:t>Ziele </a:t>
+              <a:t>nachher </a:t>
             </a:r>
             <a:r>
               <a:rPr lang="de-DE" sz="1200" dirty="0"/>
-              <a:t>und nachher Deine Erfahrungen und Ergebnisse.</a:t>
-            </a:r>
-          </a:p>
-          <a:p>
-            <a:pPr marL="0" indent="0">
-              <a:lnSpc>
-                <a:spcPct val="100000"/>
-              </a:lnSpc>
+              <a:t>Deine Erfahrungen und Ergebnisse.</a:t>
+            </a:r>
+            <a:endParaRPr lang="de-DE" sz="1200" dirty="0"/>
+          </a:p>
+          <a:p>
+            <a:pPr>
               <a:spcBef>
-                <a:spcPts val="1000"/>
+                <a:spcPts val="2000"/>
               </a:spcBef>
-              <a:buNone/>
             </a:pPr>
-            <a:endParaRPr lang="de-DE" sz="1200" dirty="0"/>
-          </a:p>
-          <a:p>
             <a:endParaRPr lang="de-DE" sz="1200" dirty="0"/>
           </a:p>
         </p:txBody>

--- a/agile moves/Tomatoes (TOM)/ger/apprentice/ger_TOM_01_Aufdrehen_fertig_los_AM_A.pptx
+++ b/agile moves/Tomatoes (TOM)/ger/apprentice/ger_TOM_01_Aufdrehen_fertig_los_AM_A.pptx
@@ -108,6 +108,22 @@
       </a:defRPr>
     </a:lvl9pPr>
   </p:defaultTextStyle>
+  <p:extLst>
+    <p:ext uri="{EFAFB233-063F-42B5-8137-9DF3F51BA10A}">
+      <p15:sldGuideLst xmlns:p15="http://schemas.microsoft.com/office/powerpoint/2012/main">
+        <p15:guide id="1" orient="horz" pos="1103">
+          <p15:clr>
+            <a:srgbClr val="A4A3A4"/>
+          </p15:clr>
+        </p15:guide>
+        <p15:guide id="2" pos="772">
+          <p15:clr>
+            <a:srgbClr val="A4A3A4"/>
+          </p15:clr>
+        </p15:guide>
+      </p15:sldGuideLst>
+    </p:ext>
+  </p:extLst>
 </p:presentation>
 </file>
 
@@ -193,7 +209,7 @@
           <a:p>
             <a:fld id="{B0CB8B2F-27AE-FC42-9F9A-56AAD34EAFDA}" type="datetimeFigureOut">
               <a:rPr lang="de-DE" smtClean="0"/>
-              <a:t>14.08.15</a:t>
+              <a:t>15.08.2015</a:t>
             </a:fld>
             <a:endParaRPr lang="de-DE"/>
           </a:p>
@@ -1162,7 +1178,7 @@
           <a:p>
             <a:fld id="{FF5B2BAF-DF38-0A48-A798-0C06E514FD52}" type="datetimeFigureOut">
               <a:rPr lang="de-DE" smtClean="0"/>
-              <a:t>14.08.15</a:t>
+              <a:t>15.08.2015</a:t>
             </a:fld>
             <a:endParaRPr lang="de-DE" dirty="0"/>
           </a:p>
@@ -1432,7 +1448,7 @@
           <a:p>
             <a:fld id="{FF5B2BAF-DF38-0A48-A798-0C06E514FD52}" type="datetimeFigureOut">
               <a:rPr lang="de-DE" smtClean="0"/>
-              <a:t>14.08.15</a:t>
+              <a:t>15.08.2015</a:t>
             </a:fld>
             <a:endParaRPr lang="de-DE" dirty="0"/>
           </a:p>
@@ -2241,7 +2257,6 @@
               <a:rPr lang="de-DE" sz="1200" dirty="0"/>
               <a:t>Pausen zwischen den Tomaten helfen Dir die Konzentration und Motivation über eine längere Zeitspanne aufrecht zu erhalten.</a:t>
             </a:r>
-            <a:endParaRPr lang="de-DE" sz="1200" dirty="0"/>
           </a:p>
         </p:txBody>
       </p:sp>
@@ -2580,7 +2595,15 @@
             </a:r>
             <a:r>
               <a:rPr lang="de-DE" sz="1200" dirty="0"/>
-              <a:t>Wochen mindestens 12 </a:t>
+              <a:t>Wochen </a:t>
+            </a:r>
+            <a:r>
+              <a:rPr lang="de-DE" sz="1200"/>
+              <a:t>mindestens </a:t>
+            </a:r>
+            <a:r>
+              <a:rPr lang="de-DE" sz="1200" smtClean="0"/>
+              <a:t>zwölf </a:t>
             </a:r>
             <a:r>
               <a:rPr lang="de-DE" sz="1200" dirty="0" smtClean="0"/>
@@ -2616,7 +2639,6 @@
               <a:rPr lang="de-DE" sz="1200" dirty="0" smtClean="0"/>
               <a:t>.</a:t>
             </a:r>
-            <a:endParaRPr lang="de-DE" sz="1200" dirty="0" smtClean="0"/>
           </a:p>
           <a:p>
             <a:pPr>
@@ -2668,7 +2690,6 @@
               <a:rPr lang="de-DE" sz="1200" dirty="0"/>
               <a:t>Deine Erfahrungen und Ergebnisse.</a:t>
             </a:r>
-            <a:endParaRPr lang="de-DE" sz="1200" dirty="0"/>
           </a:p>
           <a:p>
             <a:pPr>
